--- a/Examples/Data/Charts/Rotation3D_out.pptx
+++ b/Examples/Data/Charts/Rotation3D_out.pptx
@@ -1,6 +1,6 @@
 
 <file path=ppt/presentation.xml><?xml version="1.0" encoding="utf-8"?>
-<!--Generated by Aspose.Slides for .NET 19.6-->
+<!--Generated by Aspose.Slides for .NET 21.12-->
 <p:presentation xmlns:r="http://schemas.openxmlformats.org/officeDocument/2006/relationships" xmlns:a="http://schemas.openxmlformats.org/drawingml/2006/main" xmlns:p="http://schemas.openxmlformats.org/presentationml/2006/main" saveSubsetFonts="1">
   <p:sldMasterIdLst>
     <p:sldMasterId id="2147483648" r:id="rId1"/>
@@ -112,7 +112,7 @@
 </file>
 
 <file path=ppt/charts/chart1.xml><?xml version="1.0" encoding="utf-8"?>
-<c:chartSpace xmlns:a="http://schemas.openxmlformats.org/drawingml/2006/main" xmlns:r="http://schemas.openxmlformats.org/officeDocument/2006/relationships" xmlns:c="http://schemas.openxmlformats.org/drawingml/2006/chart">
+<c:chartSpace xmlns:a="http://schemas.openxmlformats.org/drawingml/2006/main" xmlns:r="http://schemas.openxmlformats.org/officeDocument/2006/relationships" xmlns:m="http://schemas.openxmlformats.org/officeDocument/2006/math" xmlns:w="http://schemas.openxmlformats.org/wordprocessingml/2006/main" xmlns:wp="http://schemas.openxmlformats.org/drawingml/2006/wordprocessingDrawing" xmlns:a14="http://schemas.microsoft.com/office/drawing/2010/main" xmlns:c="http://schemas.openxmlformats.org/drawingml/2006/chart">
   <c:date1904 val="0"/>
   <c:lang val="ru-RU"/>
   <c:roundedCorners val="0"/>
@@ -154,7 +154,7 @@
           <c:invertIfNegative val="1"/>
           <c:cat>
             <c:strRef>
-              <c:f>Sheet1!$A$2,Sheet1!$A$3,Sheet1!$A$4,Sheet1!$A$5,Sheet1!$A$2,Sheet1!$A$3,Sheet1!$A$4</c:f>
+              <c:f>Sheet1!$A$2;Sheet1!$A$3;Sheet1!$A$4;Sheet1!$A$5;Sheet1!$A$2;Sheet1!$A$3;Sheet1!$A$4</c:f>
               <c:strCache>
                 <c:ptCount val="7"/>
                 <c:pt idx="0">
@@ -221,7 +221,7 @@
           <c:invertIfNegative val="1"/>
           <c:cat>
             <c:strRef>
-              <c:f>Sheet1!$A$2,Sheet1!$A$3,Sheet1!$A$4,Sheet1!$A$5,Sheet1!$A$2,Sheet1!$A$3,Sheet1!$A$4</c:f>
+              <c:f>Sheet1!$A$2;Sheet1!$A$3;Sheet1!$A$4;Sheet1!$A$5;Sheet1!$A$2;Sheet1!$A$3;Sheet1!$A$4</c:f>
               <c:strCache>
                 <c:ptCount val="7"/>
                 <c:pt idx="0">
@@ -250,7 +250,7 @@
           </c:cat>
           <c:val>
             <c:numRef>
-              <c:f>Sheet1!$C$2,Sheet1!$C$3,Sheet1!$C$4,Sheet1!$C$5,Sheet1!$B$2,Sheet1!$B$3,Sheet1!$B$4,Sheet1!$C$2,Sheet1!$C$3,Sheet1!$C$4</c:f>
+              <c:f>Sheet1!$C$2;Sheet1!$C$3;Sheet1!$C$4;Sheet1!$C$5;Sheet1!$B$2;Sheet1!$B$3;Sheet1!$B$4;Sheet1!$C$2;Sheet1!$C$3;Sheet1!$C$4</c:f>
               <c:numCache>
                 <c:formatCode>General</c:formatCode>
                 <c:ptCount val="10"/>
@@ -306,7 +306,7 @@
           <c:invertIfNegative val="1"/>
           <c:cat>
             <c:strRef>
-              <c:f>Sheet1!$A$2,Sheet1!$A$3,Sheet1!$A$4,Sheet1!$A$5,Sheet1!$A$2,Sheet1!$A$3,Sheet1!$A$4</c:f>
+              <c:f>Sheet1!$A$2;Sheet1!$A$3;Sheet1!$A$4;Sheet1!$A$5;Sheet1!$A$2;Sheet1!$A$3;Sheet1!$A$4</c:f>
               <c:strCache>
                 <c:ptCount val="7"/>
                 <c:pt idx="0">
@@ -427,11 +427,11 @@
 </file>
 
 <file path=ppt/slideLayouts/slideLayout1.xml><?xml version="1.0" encoding="utf-8"?>
-<p:sldLayout xmlns:a="http://schemas.openxmlformats.org/drawingml/2006/main" xmlns:r="http://schemas.openxmlformats.org/officeDocument/2006/relationships" xmlns:p14="http://schemas.microsoft.com/office/powerpoint/2010/main" xmlns:a14="http://schemas.microsoft.com/office/drawing/2010/main" xmlns:p15="http://schemas.microsoft.com/office/powerpoint/2012/main" xmlns:p159="http://schemas.microsoft.com/office/powerpoint/2015/09/main" xmlns:p="http://schemas.openxmlformats.org/presentationml/2006/main" type="title" preserve="1">
+<p:sldLayout xmlns:a="http://schemas.openxmlformats.org/drawingml/2006/main" xmlns:r="http://schemas.openxmlformats.org/officeDocument/2006/relationships" xmlns:m="http://schemas.openxmlformats.org/officeDocument/2006/math" xmlns:w="http://schemas.openxmlformats.org/wordprocessingml/2006/main" xmlns:wp="http://schemas.openxmlformats.org/drawingml/2006/wordprocessingDrawing" xmlns:a14="http://schemas.microsoft.com/office/drawing/2010/main" xmlns:mc="http://schemas.openxmlformats.org/markup-compatibility/2006" xmlns:p14="http://schemas.microsoft.com/office/powerpoint/2010/main" xmlns:p15="http://schemas.microsoft.com/office/powerpoint/2012/main" xmlns:p159="http://schemas.microsoft.com/office/powerpoint/2015/09/main" xmlns:p="http://schemas.openxmlformats.org/presentationml/2006/main" type="title" preserve="1">
   <p:cSld name="Title Slide">
     <p:spTree>
       <p:nvGrpSpPr>
-        <p:cNvPr id="1" name=""/>
+        <p:cNvPr id="1" name="" title=""/>
         <p:cNvGrpSpPr/>
         <p:nvPr/>
       </p:nvGrpSpPr>
@@ -443,7 +443,7 @@
       </p:grpSpPr>
       <p:sp>
         <p:nvSpPr>
-          <p:cNvPr id="2" name="Title 1"/>
+          <p:cNvPr id="2" name="Title 1" title=""/>
           <p:cNvSpPr>
             <a:spLocks noGrp="1"/>
           </p:cNvSpPr>
@@ -466,7 +466,7 @@
       </p:sp>
       <p:sp>
         <p:nvSpPr>
-          <p:cNvPr id="3" name="Subtitle 2"/>
+          <p:cNvPr id="3" name="Subtitle 2" title=""/>
           <p:cNvSpPr>
             <a:spLocks noGrp="1"/>
           </p:cNvSpPr>
@@ -580,7 +580,7 @@
       </p:sp>
       <p:sp>
         <p:nvSpPr>
-          <p:cNvPr id="4" name="Date Placeholder 3"/>
+          <p:cNvPr id="4" name="Date Placeholder 3" title=""/>
           <p:cNvSpPr>
             <a:spLocks noGrp="1"/>
           </p:cNvSpPr>
@@ -593,7 +593,7 @@
           <a:bodyPr/>
           <a:lstStyle/>
           <a:p>
-            <a:fld id="{AA32D18C-D6A3-425A-BF7C-3A399966E412}" type="datetimeFigureOut">
+            <a:fld id="{4686BD32-4045-4FB1-A6B4-6D735B8F5AC9}" type="datetimeFigureOut">
               <a:rPr lang="en-US" smtClean="0"/>
               <a:t>11/7/2009</a:t>
             </a:fld>
@@ -603,7 +603,7 @@
       </p:sp>
       <p:sp>
         <p:nvSpPr>
-          <p:cNvPr id="5" name="Footer Placeholder 4"/>
+          <p:cNvPr id="5" name="Footer Placeholder 4" title=""/>
           <p:cNvSpPr>
             <a:spLocks noGrp="1"/>
           </p:cNvSpPr>
@@ -622,7 +622,7 @@
       </p:sp>
       <p:sp>
         <p:nvSpPr>
-          <p:cNvPr id="6" name="Slide Number Placeholder 5"/>
+          <p:cNvPr id="6" name="Slide Number Placeholder 5" title=""/>
           <p:cNvSpPr>
             <a:spLocks noGrp="1"/>
           </p:cNvSpPr>
@@ -654,11 +654,11 @@
 </file>
 
 <file path=ppt/slideLayouts/slideLayout10.xml><?xml version="1.0" encoding="utf-8"?>
-<p:sldLayout xmlns:a="http://schemas.openxmlformats.org/drawingml/2006/main" xmlns:r="http://schemas.openxmlformats.org/officeDocument/2006/relationships" xmlns:p14="http://schemas.microsoft.com/office/powerpoint/2010/main" xmlns:a14="http://schemas.microsoft.com/office/drawing/2010/main" xmlns:p15="http://schemas.microsoft.com/office/powerpoint/2012/main" xmlns:p159="http://schemas.microsoft.com/office/powerpoint/2015/09/main" xmlns:p="http://schemas.openxmlformats.org/presentationml/2006/main" type="vertTx" preserve="1">
+<p:sldLayout xmlns:a="http://schemas.openxmlformats.org/drawingml/2006/main" xmlns:r="http://schemas.openxmlformats.org/officeDocument/2006/relationships" xmlns:m="http://schemas.openxmlformats.org/officeDocument/2006/math" xmlns:w="http://schemas.openxmlformats.org/wordprocessingml/2006/main" xmlns:wp="http://schemas.openxmlformats.org/drawingml/2006/wordprocessingDrawing" xmlns:a14="http://schemas.microsoft.com/office/drawing/2010/main" xmlns:mc="http://schemas.openxmlformats.org/markup-compatibility/2006" xmlns:p14="http://schemas.microsoft.com/office/powerpoint/2010/main" xmlns:p15="http://schemas.microsoft.com/office/powerpoint/2012/main" xmlns:p159="http://schemas.microsoft.com/office/powerpoint/2015/09/main" xmlns:p="http://schemas.openxmlformats.org/presentationml/2006/main" type="vertTx" preserve="1">
   <p:cSld name="Title and Vertical Text">
     <p:spTree>
       <p:nvGrpSpPr>
-        <p:cNvPr id="1" name=""/>
+        <p:cNvPr id="1" name="" title=""/>
         <p:cNvGrpSpPr/>
         <p:nvPr/>
       </p:nvGrpSpPr>
@@ -670,7 +670,7 @@
       </p:grpSpPr>
       <p:sp>
         <p:nvSpPr>
-          <p:cNvPr id="2" name="Title 1"/>
+          <p:cNvPr id="2" name="Title 1" title=""/>
           <p:cNvSpPr>
             <a:spLocks noGrp="1"/>
           </p:cNvSpPr>
@@ -693,7 +693,7 @@
       </p:sp>
       <p:sp>
         <p:nvSpPr>
-          <p:cNvPr id="3" name="Vertical Text Placeholder 2"/>
+          <p:cNvPr id="3" name="Vertical Text Placeholder 2" title=""/>
           <p:cNvSpPr>
             <a:spLocks noGrp="1"/>
           </p:cNvSpPr>
@@ -744,7 +744,7 @@
       </p:sp>
       <p:sp>
         <p:nvSpPr>
-          <p:cNvPr id="4" name="Date Placeholder 3"/>
+          <p:cNvPr id="4" name="Date Placeholder 3" title=""/>
           <p:cNvSpPr>
             <a:spLocks noGrp="1"/>
           </p:cNvSpPr>
@@ -757,7 +757,7 @@
           <a:bodyPr/>
           <a:lstStyle/>
           <a:p>
-            <a:fld id="{5915CF7C-0CA4-4830-B824-BA776E5F9280}" type="datetimeFigureOut">
+            <a:fld id="{F21F79EF-FCB7-46D7-B586-B2060275C21C}" type="datetimeFigureOut">
               <a:rPr lang="en-US" smtClean="0"/>
               <a:t>11/7/2009</a:t>
             </a:fld>
@@ -767,7 +767,7 @@
       </p:sp>
       <p:sp>
         <p:nvSpPr>
-          <p:cNvPr id="5" name="Footer Placeholder 4"/>
+          <p:cNvPr id="5" name="Footer Placeholder 4" title=""/>
           <p:cNvSpPr>
             <a:spLocks noGrp="1"/>
           </p:cNvSpPr>
@@ -786,7 +786,7 @@
       </p:sp>
       <p:sp>
         <p:nvSpPr>
-          <p:cNvPr id="6" name="Slide Number Placeholder 5"/>
+          <p:cNvPr id="6" name="Slide Number Placeholder 5" title=""/>
           <p:cNvSpPr>
             <a:spLocks noGrp="1"/>
           </p:cNvSpPr>
@@ -818,11 +818,11 @@
 </file>
 
 <file path=ppt/slideLayouts/slideLayout11.xml><?xml version="1.0" encoding="utf-8"?>
-<p:sldLayout xmlns:a="http://schemas.openxmlformats.org/drawingml/2006/main" xmlns:r="http://schemas.openxmlformats.org/officeDocument/2006/relationships" xmlns:p14="http://schemas.microsoft.com/office/powerpoint/2010/main" xmlns:a14="http://schemas.microsoft.com/office/drawing/2010/main" xmlns:p15="http://schemas.microsoft.com/office/powerpoint/2012/main" xmlns:p159="http://schemas.microsoft.com/office/powerpoint/2015/09/main" xmlns:p="http://schemas.openxmlformats.org/presentationml/2006/main" type="vertTitleAndTx" preserve="1">
+<p:sldLayout xmlns:a="http://schemas.openxmlformats.org/drawingml/2006/main" xmlns:r="http://schemas.openxmlformats.org/officeDocument/2006/relationships" xmlns:m="http://schemas.openxmlformats.org/officeDocument/2006/math" xmlns:w="http://schemas.openxmlformats.org/wordprocessingml/2006/main" xmlns:wp="http://schemas.openxmlformats.org/drawingml/2006/wordprocessingDrawing" xmlns:a14="http://schemas.microsoft.com/office/drawing/2010/main" xmlns:mc="http://schemas.openxmlformats.org/markup-compatibility/2006" xmlns:p14="http://schemas.microsoft.com/office/powerpoint/2010/main" xmlns:p15="http://schemas.microsoft.com/office/powerpoint/2012/main" xmlns:p159="http://schemas.microsoft.com/office/powerpoint/2015/09/main" xmlns:p="http://schemas.openxmlformats.org/presentationml/2006/main" type="vertTitleAndTx" preserve="1">
   <p:cSld name="Vertical Title and Text">
     <p:spTree>
       <p:nvGrpSpPr>
-        <p:cNvPr id="1" name=""/>
+        <p:cNvPr id="1" name="" title=""/>
         <p:cNvGrpSpPr/>
         <p:nvPr/>
       </p:nvGrpSpPr>
@@ -834,7 +834,7 @@
       </p:grpSpPr>
       <p:sp>
         <p:nvSpPr>
-          <p:cNvPr id="2" name="Vertical Title 1"/>
+          <p:cNvPr id="2" name="Vertical Title 1" title=""/>
           <p:cNvSpPr>
             <a:spLocks noGrp="1"/>
           </p:cNvSpPr>
@@ -857,7 +857,7 @@
       </p:sp>
       <p:sp>
         <p:nvSpPr>
-          <p:cNvPr id="3" name="Vertical Text Placeholder 2"/>
+          <p:cNvPr id="3" name="Vertical Text Placeholder 2" title=""/>
           <p:cNvSpPr>
             <a:spLocks noGrp="1"/>
           </p:cNvSpPr>
@@ -908,7 +908,7 @@
       </p:sp>
       <p:sp>
         <p:nvSpPr>
-          <p:cNvPr id="4" name="Date Placeholder 3"/>
+          <p:cNvPr id="4" name="Date Placeholder 3" title=""/>
           <p:cNvSpPr>
             <a:spLocks noGrp="1"/>
           </p:cNvSpPr>
@@ -921,7 +921,7 @@
           <a:bodyPr/>
           <a:lstStyle/>
           <a:p>
-            <a:fld id="{A46EC1A2-E1FE-43E3-BCB0-A7BCBE1E128E}" type="datetimeFigureOut">
+            <a:fld id="{3910EFC7-484E-4F8C-9A83-DBA5E6AE4C05}" type="datetimeFigureOut">
               <a:rPr lang="en-US" smtClean="0"/>
               <a:t>11/7/2009</a:t>
             </a:fld>
@@ -931,7 +931,7 @@
       </p:sp>
       <p:sp>
         <p:nvSpPr>
-          <p:cNvPr id="5" name="Footer Placeholder 4"/>
+          <p:cNvPr id="5" name="Footer Placeholder 4" title=""/>
           <p:cNvSpPr>
             <a:spLocks noGrp="1"/>
           </p:cNvSpPr>
@@ -950,7 +950,7 @@
       </p:sp>
       <p:sp>
         <p:nvSpPr>
-          <p:cNvPr id="6" name="Slide Number Placeholder 5"/>
+          <p:cNvPr id="6" name="Slide Number Placeholder 5" title=""/>
           <p:cNvSpPr>
             <a:spLocks noGrp="1"/>
           </p:cNvSpPr>
@@ -982,11 +982,11 @@
 </file>
 
 <file path=ppt/slideLayouts/slideLayout2.xml><?xml version="1.0" encoding="utf-8"?>
-<p:sldLayout xmlns:a="http://schemas.openxmlformats.org/drawingml/2006/main" xmlns:r="http://schemas.openxmlformats.org/officeDocument/2006/relationships" xmlns:p14="http://schemas.microsoft.com/office/powerpoint/2010/main" xmlns:a14="http://schemas.microsoft.com/office/drawing/2010/main" xmlns:p15="http://schemas.microsoft.com/office/powerpoint/2012/main" xmlns:p159="http://schemas.microsoft.com/office/powerpoint/2015/09/main" xmlns:p="http://schemas.openxmlformats.org/presentationml/2006/main" type="obj" preserve="1">
+<p:sldLayout xmlns:a="http://schemas.openxmlformats.org/drawingml/2006/main" xmlns:r="http://schemas.openxmlformats.org/officeDocument/2006/relationships" xmlns:m="http://schemas.openxmlformats.org/officeDocument/2006/math" xmlns:w="http://schemas.openxmlformats.org/wordprocessingml/2006/main" xmlns:wp="http://schemas.openxmlformats.org/drawingml/2006/wordprocessingDrawing" xmlns:a14="http://schemas.microsoft.com/office/drawing/2010/main" xmlns:mc="http://schemas.openxmlformats.org/markup-compatibility/2006" xmlns:p14="http://schemas.microsoft.com/office/powerpoint/2010/main" xmlns:p15="http://schemas.microsoft.com/office/powerpoint/2012/main" xmlns:p159="http://schemas.microsoft.com/office/powerpoint/2015/09/main" xmlns:p="http://schemas.openxmlformats.org/presentationml/2006/main" type="obj" preserve="1">
   <p:cSld name="Title and Content">
     <p:spTree>
       <p:nvGrpSpPr>
-        <p:cNvPr id="1" name=""/>
+        <p:cNvPr id="1" name="" title=""/>
         <p:cNvGrpSpPr/>
         <p:nvPr/>
       </p:nvGrpSpPr>
@@ -998,7 +998,7 @@
       </p:grpSpPr>
       <p:sp>
         <p:nvSpPr>
-          <p:cNvPr id="2" name="Title 1"/>
+          <p:cNvPr id="2" name="Title 1" title=""/>
           <p:cNvSpPr>
             <a:spLocks noGrp="1"/>
           </p:cNvSpPr>
@@ -1021,7 +1021,7 @@
       </p:sp>
       <p:sp>
         <p:nvSpPr>
-          <p:cNvPr id="3" name="Content Placeholder 2"/>
+          <p:cNvPr id="3" name="Content Placeholder 2" title=""/>
           <p:cNvSpPr>
             <a:spLocks noGrp="1"/>
           </p:cNvSpPr>
@@ -1072,7 +1072,7 @@
       </p:sp>
       <p:sp>
         <p:nvSpPr>
-          <p:cNvPr id="4" name="Date Placeholder 3"/>
+          <p:cNvPr id="4" name="Date Placeholder 3" title=""/>
           <p:cNvSpPr>
             <a:spLocks noGrp="1"/>
           </p:cNvSpPr>
@@ -1085,7 +1085,7 @@
           <a:bodyPr/>
           <a:lstStyle/>
           <a:p>
-            <a:fld id="{EE036362-8495-4866-A760-1F851AD16067}" type="datetimeFigureOut">
+            <a:fld id="{B82A0277-E781-49D8-8306-680614A35655}" type="datetimeFigureOut">
               <a:rPr lang="en-US" smtClean="0"/>
               <a:t>11/7/2009</a:t>
             </a:fld>
@@ -1095,7 +1095,7 @@
       </p:sp>
       <p:sp>
         <p:nvSpPr>
-          <p:cNvPr id="5" name="Footer Placeholder 4"/>
+          <p:cNvPr id="5" name="Footer Placeholder 4" title=""/>
           <p:cNvSpPr>
             <a:spLocks noGrp="1"/>
           </p:cNvSpPr>
@@ -1114,7 +1114,7 @@
       </p:sp>
       <p:sp>
         <p:nvSpPr>
-          <p:cNvPr id="6" name="Slide Number Placeholder 5"/>
+          <p:cNvPr id="6" name="Slide Number Placeholder 5" title=""/>
           <p:cNvSpPr>
             <a:spLocks noGrp="1"/>
           </p:cNvSpPr>
@@ -1146,11 +1146,11 @@
 </file>
 
 <file path=ppt/slideLayouts/slideLayout3.xml><?xml version="1.0" encoding="utf-8"?>
-<p:sldLayout xmlns:a="http://schemas.openxmlformats.org/drawingml/2006/main" xmlns:r="http://schemas.openxmlformats.org/officeDocument/2006/relationships" xmlns:p14="http://schemas.microsoft.com/office/powerpoint/2010/main" xmlns:a14="http://schemas.microsoft.com/office/drawing/2010/main" xmlns:p15="http://schemas.microsoft.com/office/powerpoint/2012/main" xmlns:p159="http://schemas.microsoft.com/office/powerpoint/2015/09/main" xmlns:p="http://schemas.openxmlformats.org/presentationml/2006/main" type="secHead" preserve="1">
+<p:sldLayout xmlns:a="http://schemas.openxmlformats.org/drawingml/2006/main" xmlns:r="http://schemas.openxmlformats.org/officeDocument/2006/relationships" xmlns:m="http://schemas.openxmlformats.org/officeDocument/2006/math" xmlns:w="http://schemas.openxmlformats.org/wordprocessingml/2006/main" xmlns:wp="http://schemas.openxmlformats.org/drawingml/2006/wordprocessingDrawing" xmlns:a14="http://schemas.microsoft.com/office/drawing/2010/main" xmlns:mc="http://schemas.openxmlformats.org/markup-compatibility/2006" xmlns:p14="http://schemas.microsoft.com/office/powerpoint/2010/main" xmlns:p15="http://schemas.microsoft.com/office/powerpoint/2012/main" xmlns:p159="http://schemas.microsoft.com/office/powerpoint/2015/09/main" xmlns:p="http://schemas.openxmlformats.org/presentationml/2006/main" type="secHead" preserve="1">
   <p:cSld name="Section Header">
     <p:spTree>
       <p:nvGrpSpPr>
-        <p:cNvPr id="1" name=""/>
+        <p:cNvPr id="1" name="" title=""/>
         <p:cNvGrpSpPr/>
         <p:nvPr/>
       </p:nvGrpSpPr>
@@ -1162,7 +1162,7 @@
       </p:grpSpPr>
       <p:sp>
         <p:nvSpPr>
-          <p:cNvPr id="2" name="Title 1"/>
+          <p:cNvPr id="2" name="Title 1" title=""/>
           <p:cNvSpPr>
             <a:spLocks noGrp="1"/>
           </p:cNvSpPr>
@@ -1189,7 +1189,7 @@
       </p:sp>
       <p:sp>
         <p:nvSpPr>
-          <p:cNvPr id="3" name="Text Placeholder 2"/>
+          <p:cNvPr id="3" name="Text Placeholder 2" title=""/>
           <p:cNvSpPr>
             <a:spLocks noGrp="1"/>
           </p:cNvSpPr>
@@ -1302,7 +1302,7 @@
       </p:sp>
       <p:sp>
         <p:nvSpPr>
-          <p:cNvPr id="4" name="Date Placeholder 3"/>
+          <p:cNvPr id="4" name="Date Placeholder 3" title=""/>
           <p:cNvSpPr>
             <a:spLocks noGrp="1"/>
           </p:cNvSpPr>
@@ -1315,7 +1315,7 @@
           <a:bodyPr/>
           <a:lstStyle/>
           <a:p>
-            <a:fld id="{F17F20A2-9961-4D85-8CBC-2B2DCD8C82E1}" type="datetimeFigureOut">
+            <a:fld id="{15F19C3C-D59B-4C44-9A82-CF39D31B4E37}" type="datetimeFigureOut">
               <a:rPr lang="en-US" smtClean="0"/>
               <a:t>11/7/2009</a:t>
             </a:fld>
@@ -1325,7 +1325,7 @@
       </p:sp>
       <p:sp>
         <p:nvSpPr>
-          <p:cNvPr id="5" name="Footer Placeholder 4"/>
+          <p:cNvPr id="5" name="Footer Placeholder 4" title=""/>
           <p:cNvSpPr>
             <a:spLocks noGrp="1"/>
           </p:cNvSpPr>
@@ -1344,7 +1344,7 @@
       </p:sp>
       <p:sp>
         <p:nvSpPr>
-          <p:cNvPr id="6" name="Slide Number Placeholder 5"/>
+          <p:cNvPr id="6" name="Slide Number Placeholder 5" title=""/>
           <p:cNvSpPr>
             <a:spLocks noGrp="1"/>
           </p:cNvSpPr>
@@ -1376,11 +1376,11 @@
 </file>
 
 <file path=ppt/slideLayouts/slideLayout4.xml><?xml version="1.0" encoding="utf-8"?>
-<p:sldLayout xmlns:a="http://schemas.openxmlformats.org/drawingml/2006/main" xmlns:r="http://schemas.openxmlformats.org/officeDocument/2006/relationships" xmlns:p14="http://schemas.microsoft.com/office/powerpoint/2010/main" xmlns:a14="http://schemas.microsoft.com/office/drawing/2010/main" xmlns:p15="http://schemas.microsoft.com/office/powerpoint/2012/main" xmlns:p159="http://schemas.microsoft.com/office/powerpoint/2015/09/main" xmlns:p="http://schemas.openxmlformats.org/presentationml/2006/main" type="twoObj" preserve="1">
+<p:sldLayout xmlns:a="http://schemas.openxmlformats.org/drawingml/2006/main" xmlns:r="http://schemas.openxmlformats.org/officeDocument/2006/relationships" xmlns:m="http://schemas.openxmlformats.org/officeDocument/2006/math" xmlns:w="http://schemas.openxmlformats.org/wordprocessingml/2006/main" xmlns:wp="http://schemas.openxmlformats.org/drawingml/2006/wordprocessingDrawing" xmlns:a14="http://schemas.microsoft.com/office/drawing/2010/main" xmlns:mc="http://schemas.openxmlformats.org/markup-compatibility/2006" xmlns:p14="http://schemas.microsoft.com/office/powerpoint/2010/main" xmlns:p15="http://schemas.microsoft.com/office/powerpoint/2012/main" xmlns:p159="http://schemas.microsoft.com/office/powerpoint/2015/09/main" xmlns:p="http://schemas.openxmlformats.org/presentationml/2006/main" type="twoObj" preserve="1">
   <p:cSld name="Two Content">
     <p:spTree>
       <p:nvGrpSpPr>
-        <p:cNvPr id="1" name=""/>
+        <p:cNvPr id="1" name="" title=""/>
         <p:cNvGrpSpPr/>
         <p:nvPr/>
       </p:nvGrpSpPr>
@@ -1392,7 +1392,7 @@
       </p:grpSpPr>
       <p:sp>
         <p:nvSpPr>
-          <p:cNvPr id="2" name="Title 1"/>
+          <p:cNvPr id="2" name="Title 1" title=""/>
           <p:cNvSpPr>
             <a:spLocks noGrp="1"/>
           </p:cNvSpPr>
@@ -1415,7 +1415,7 @@
       </p:sp>
       <p:sp>
         <p:nvSpPr>
-          <p:cNvPr id="3" name="Content Placeholder 2"/>
+          <p:cNvPr id="3" name="Content Placeholder 2" title=""/>
           <p:cNvSpPr>
             <a:spLocks noGrp="1"/>
           </p:cNvSpPr>
@@ -1494,7 +1494,7 @@
       </p:sp>
       <p:sp>
         <p:nvSpPr>
-          <p:cNvPr id="4" name="Content Placeholder 3"/>
+          <p:cNvPr id="4" name="Content Placeholder 3" title=""/>
           <p:cNvSpPr>
             <a:spLocks noGrp="1"/>
           </p:cNvSpPr>
@@ -1573,7 +1573,7 @@
       </p:sp>
       <p:sp>
         <p:nvSpPr>
-          <p:cNvPr id="5" name="Date Placeholder 4"/>
+          <p:cNvPr id="5" name="Date Placeholder 4" title=""/>
           <p:cNvSpPr>
             <a:spLocks noGrp="1"/>
           </p:cNvSpPr>
@@ -1586,7 +1586,7 @@
           <a:bodyPr/>
           <a:lstStyle/>
           <a:p>
-            <a:fld id="{CD1AA70D-96DB-414D-845A-8E1E2CBD88F2}" type="datetimeFigureOut">
+            <a:fld id="{87B05D81-0229-490C-9042-730E3C6AFAEE}" type="datetimeFigureOut">
               <a:rPr lang="en-US" smtClean="0"/>
               <a:t>11/7/2009</a:t>
             </a:fld>
@@ -1596,7 +1596,7 @@
       </p:sp>
       <p:sp>
         <p:nvSpPr>
-          <p:cNvPr id="6" name="Footer Placeholder 5"/>
+          <p:cNvPr id="6" name="Footer Placeholder 5" title=""/>
           <p:cNvSpPr>
             <a:spLocks noGrp="1"/>
           </p:cNvSpPr>
@@ -1615,7 +1615,7 @@
       </p:sp>
       <p:sp>
         <p:nvSpPr>
-          <p:cNvPr id="7" name="Slide Number Placeholder 6"/>
+          <p:cNvPr id="7" name="Slide Number Placeholder 6" title=""/>
           <p:cNvSpPr>
             <a:spLocks noGrp="1"/>
           </p:cNvSpPr>
@@ -1647,11 +1647,11 @@
 </file>
 
 <file path=ppt/slideLayouts/slideLayout5.xml><?xml version="1.0" encoding="utf-8"?>
-<p:sldLayout xmlns:a="http://schemas.openxmlformats.org/drawingml/2006/main" xmlns:r="http://schemas.openxmlformats.org/officeDocument/2006/relationships" xmlns:p14="http://schemas.microsoft.com/office/powerpoint/2010/main" xmlns:a14="http://schemas.microsoft.com/office/drawing/2010/main" xmlns:p15="http://schemas.microsoft.com/office/powerpoint/2012/main" xmlns:p159="http://schemas.microsoft.com/office/powerpoint/2015/09/main" xmlns:p="http://schemas.openxmlformats.org/presentationml/2006/main" type="twoTxTwoObj" preserve="1">
+<p:sldLayout xmlns:a="http://schemas.openxmlformats.org/drawingml/2006/main" xmlns:r="http://schemas.openxmlformats.org/officeDocument/2006/relationships" xmlns:m="http://schemas.openxmlformats.org/officeDocument/2006/math" xmlns:w="http://schemas.openxmlformats.org/wordprocessingml/2006/main" xmlns:wp="http://schemas.openxmlformats.org/drawingml/2006/wordprocessingDrawing" xmlns:a14="http://schemas.microsoft.com/office/drawing/2010/main" xmlns:mc="http://schemas.openxmlformats.org/markup-compatibility/2006" xmlns:p14="http://schemas.microsoft.com/office/powerpoint/2010/main" xmlns:p15="http://schemas.microsoft.com/office/powerpoint/2012/main" xmlns:p159="http://schemas.microsoft.com/office/powerpoint/2015/09/main" xmlns:p="http://schemas.openxmlformats.org/presentationml/2006/main" type="twoTxTwoObj" preserve="1">
   <p:cSld name="Comparison">
     <p:spTree>
       <p:nvGrpSpPr>
-        <p:cNvPr id="1" name=""/>
+        <p:cNvPr id="1" name="" title=""/>
         <p:cNvGrpSpPr/>
         <p:nvPr/>
       </p:nvGrpSpPr>
@@ -1663,7 +1663,7 @@
       </p:grpSpPr>
       <p:sp>
         <p:nvSpPr>
-          <p:cNvPr id="2" name="Title 1"/>
+          <p:cNvPr id="2" name="Title 1" title=""/>
           <p:cNvSpPr>
             <a:spLocks noGrp="1"/>
           </p:cNvSpPr>
@@ -1686,7 +1686,7 @@
       </p:sp>
       <p:sp>
         <p:nvSpPr>
-          <p:cNvPr id="3" name="Text Placeholder 2"/>
+          <p:cNvPr id="3" name="Text Placeholder 2" title=""/>
           <p:cNvSpPr>
             <a:spLocks noGrp="1"/>
           </p:cNvSpPr>
@@ -1745,7 +1745,7 @@
       </p:sp>
       <p:sp>
         <p:nvSpPr>
-          <p:cNvPr id="4" name="Content Placeholder 3"/>
+          <p:cNvPr id="4" name="Content Placeholder 3" title=""/>
           <p:cNvSpPr>
             <a:spLocks noGrp="1"/>
           </p:cNvSpPr>
@@ -1824,7 +1824,7 @@
       </p:sp>
       <p:sp>
         <p:nvSpPr>
-          <p:cNvPr id="5" name="Text Placeholder 4"/>
+          <p:cNvPr id="5" name="Text Placeholder 4" title=""/>
           <p:cNvSpPr>
             <a:spLocks noGrp="1"/>
           </p:cNvSpPr>
@@ -1883,7 +1883,7 @@
       </p:sp>
       <p:sp>
         <p:nvSpPr>
-          <p:cNvPr id="6" name="Content Placeholder 5"/>
+          <p:cNvPr id="6" name="Content Placeholder 5" title=""/>
           <p:cNvSpPr>
             <a:spLocks noGrp="1"/>
           </p:cNvSpPr>
@@ -1962,7 +1962,7 @@
       </p:sp>
       <p:sp>
         <p:nvSpPr>
-          <p:cNvPr id="7" name="Date Placeholder 6"/>
+          <p:cNvPr id="7" name="Date Placeholder 6" title=""/>
           <p:cNvSpPr>
             <a:spLocks noGrp="1"/>
           </p:cNvSpPr>
@@ -1975,7 +1975,7 @@
           <a:bodyPr/>
           <a:lstStyle/>
           <a:p>
-            <a:fld id="{DA4D59BD-C499-48B2-9546-3EC697FF86DA}" type="datetimeFigureOut">
+            <a:fld id="{4B046718-2D9D-4E09-A2DF-2DEDA26343DE}" type="datetimeFigureOut">
               <a:rPr lang="en-US" smtClean="0"/>
               <a:t>11/7/2009</a:t>
             </a:fld>
@@ -1985,7 +1985,7 @@
       </p:sp>
       <p:sp>
         <p:nvSpPr>
-          <p:cNvPr id="8" name="Footer Placeholder 7"/>
+          <p:cNvPr id="8" name="Footer Placeholder 7" title=""/>
           <p:cNvSpPr>
             <a:spLocks noGrp="1"/>
           </p:cNvSpPr>
@@ -2004,7 +2004,7 @@
       </p:sp>
       <p:sp>
         <p:nvSpPr>
-          <p:cNvPr id="9" name="Slide Number Placeholder 8"/>
+          <p:cNvPr id="9" name="Slide Number Placeholder 8" title=""/>
           <p:cNvSpPr>
             <a:spLocks noGrp="1"/>
           </p:cNvSpPr>
@@ -2036,11 +2036,11 @@
 </file>
 
 <file path=ppt/slideLayouts/slideLayout6.xml><?xml version="1.0" encoding="utf-8"?>
-<p:sldLayout xmlns:a="http://schemas.openxmlformats.org/drawingml/2006/main" xmlns:r="http://schemas.openxmlformats.org/officeDocument/2006/relationships" xmlns:p14="http://schemas.microsoft.com/office/powerpoint/2010/main" xmlns:a14="http://schemas.microsoft.com/office/drawing/2010/main" xmlns:p15="http://schemas.microsoft.com/office/powerpoint/2012/main" xmlns:p159="http://schemas.microsoft.com/office/powerpoint/2015/09/main" xmlns:p="http://schemas.openxmlformats.org/presentationml/2006/main" type="titleOnly" preserve="1">
+<p:sldLayout xmlns:a="http://schemas.openxmlformats.org/drawingml/2006/main" xmlns:r="http://schemas.openxmlformats.org/officeDocument/2006/relationships" xmlns:m="http://schemas.openxmlformats.org/officeDocument/2006/math" xmlns:w="http://schemas.openxmlformats.org/wordprocessingml/2006/main" xmlns:wp="http://schemas.openxmlformats.org/drawingml/2006/wordprocessingDrawing" xmlns:a14="http://schemas.microsoft.com/office/drawing/2010/main" xmlns:mc="http://schemas.openxmlformats.org/markup-compatibility/2006" xmlns:p14="http://schemas.microsoft.com/office/powerpoint/2010/main" xmlns:p15="http://schemas.microsoft.com/office/powerpoint/2012/main" xmlns:p159="http://schemas.microsoft.com/office/powerpoint/2015/09/main" xmlns:p="http://schemas.openxmlformats.org/presentationml/2006/main" type="titleOnly" preserve="1">
   <p:cSld name="Title Only">
     <p:spTree>
       <p:nvGrpSpPr>
-        <p:cNvPr id="1" name=""/>
+        <p:cNvPr id="1" name="" title=""/>
         <p:cNvGrpSpPr/>
         <p:nvPr/>
       </p:nvGrpSpPr>
@@ -2052,7 +2052,7 @@
       </p:grpSpPr>
       <p:sp>
         <p:nvSpPr>
-          <p:cNvPr id="2" name="Title 1"/>
+          <p:cNvPr id="2" name="Title 1" title=""/>
           <p:cNvSpPr>
             <a:spLocks noGrp="1"/>
           </p:cNvSpPr>
@@ -2075,7 +2075,7 @@
       </p:sp>
       <p:sp>
         <p:nvSpPr>
-          <p:cNvPr id="3" name="Date Placeholder 2"/>
+          <p:cNvPr id="3" name="Date Placeholder 2" title=""/>
           <p:cNvSpPr>
             <a:spLocks noGrp="1"/>
           </p:cNvSpPr>
@@ -2088,7 +2088,7 @@
           <a:bodyPr/>
           <a:lstStyle/>
           <a:p>
-            <a:fld id="{D733C12D-B8A3-49BD-83EC-2650B0E11B97}" type="datetimeFigureOut">
+            <a:fld id="{E8456D3E-0E8E-4D69-8B54-BD5E4B4E9910}" type="datetimeFigureOut">
               <a:rPr lang="en-US" smtClean="0"/>
               <a:t>11/7/2009</a:t>
             </a:fld>
@@ -2098,7 +2098,7 @@
       </p:sp>
       <p:sp>
         <p:nvSpPr>
-          <p:cNvPr id="4" name="Footer Placeholder 3"/>
+          <p:cNvPr id="4" name="Footer Placeholder 3" title=""/>
           <p:cNvSpPr>
             <a:spLocks noGrp="1"/>
           </p:cNvSpPr>
@@ -2117,7 +2117,7 @@
       </p:sp>
       <p:sp>
         <p:nvSpPr>
-          <p:cNvPr id="5" name="Slide Number Placeholder 4"/>
+          <p:cNvPr id="5" name="Slide Number Placeholder 4" title=""/>
           <p:cNvSpPr>
             <a:spLocks noGrp="1"/>
           </p:cNvSpPr>
@@ -2149,11 +2149,11 @@
 </file>
 
 <file path=ppt/slideLayouts/slideLayout7.xml><?xml version="1.0" encoding="utf-8"?>
-<p:sldLayout xmlns:a="http://schemas.openxmlformats.org/drawingml/2006/main" xmlns:r="http://schemas.openxmlformats.org/officeDocument/2006/relationships" xmlns:p14="http://schemas.microsoft.com/office/powerpoint/2010/main" xmlns:a14="http://schemas.microsoft.com/office/drawing/2010/main" xmlns:p15="http://schemas.microsoft.com/office/powerpoint/2012/main" xmlns:p159="http://schemas.microsoft.com/office/powerpoint/2015/09/main" xmlns:p="http://schemas.openxmlformats.org/presentationml/2006/main" type="blank" preserve="1">
+<p:sldLayout xmlns:a="http://schemas.openxmlformats.org/drawingml/2006/main" xmlns:r="http://schemas.openxmlformats.org/officeDocument/2006/relationships" xmlns:m="http://schemas.openxmlformats.org/officeDocument/2006/math" xmlns:w="http://schemas.openxmlformats.org/wordprocessingml/2006/main" xmlns:wp="http://schemas.openxmlformats.org/drawingml/2006/wordprocessingDrawing" xmlns:a14="http://schemas.microsoft.com/office/drawing/2010/main" xmlns:mc="http://schemas.openxmlformats.org/markup-compatibility/2006" xmlns:p14="http://schemas.microsoft.com/office/powerpoint/2010/main" xmlns:p15="http://schemas.microsoft.com/office/powerpoint/2012/main" xmlns:p159="http://schemas.microsoft.com/office/powerpoint/2015/09/main" xmlns:p="http://schemas.openxmlformats.org/presentationml/2006/main" type="blank" preserve="1">
   <p:cSld name="Blank">
     <p:spTree>
       <p:nvGrpSpPr>
-        <p:cNvPr id="1" name=""/>
+        <p:cNvPr id="1" name="" title=""/>
         <p:cNvGrpSpPr/>
         <p:nvPr/>
       </p:nvGrpSpPr>
@@ -2165,7 +2165,7 @@
       </p:grpSpPr>
       <p:sp>
         <p:nvSpPr>
-          <p:cNvPr id="2" name="Date Placeholder 1"/>
+          <p:cNvPr id="2" name="Date Placeholder 1" title=""/>
           <p:cNvSpPr>
             <a:spLocks noGrp="1"/>
           </p:cNvSpPr>
@@ -2178,7 +2178,7 @@
           <a:bodyPr/>
           <a:lstStyle/>
           <a:p>
-            <a:fld id="{E3246ECB-AA50-4383-A0EF-D0F338C0E2B0}" type="datetimeFigureOut">
+            <a:fld id="{6D108402-A09C-4C37-A472-E2FBC70B096A}" type="datetimeFigureOut">
               <a:rPr lang="en-US" smtClean="0"/>
               <a:t>11/7/2009</a:t>
             </a:fld>
@@ -2188,7 +2188,7 @@
       </p:sp>
       <p:sp>
         <p:nvSpPr>
-          <p:cNvPr id="3" name="Footer Placeholder 2"/>
+          <p:cNvPr id="3" name="Footer Placeholder 2" title=""/>
           <p:cNvSpPr>
             <a:spLocks noGrp="1"/>
           </p:cNvSpPr>
@@ -2207,7 +2207,7 @@
       </p:sp>
       <p:sp>
         <p:nvSpPr>
-          <p:cNvPr id="4" name="Slide Number Placeholder 3"/>
+          <p:cNvPr id="4" name="Slide Number Placeholder 3" title=""/>
           <p:cNvSpPr>
             <a:spLocks noGrp="1"/>
           </p:cNvSpPr>
@@ -2239,11 +2239,11 @@
 </file>
 
 <file path=ppt/slideLayouts/slideLayout8.xml><?xml version="1.0" encoding="utf-8"?>
-<p:sldLayout xmlns:a="http://schemas.openxmlformats.org/drawingml/2006/main" xmlns:r="http://schemas.openxmlformats.org/officeDocument/2006/relationships" xmlns:p14="http://schemas.microsoft.com/office/powerpoint/2010/main" xmlns:a14="http://schemas.microsoft.com/office/drawing/2010/main" xmlns:p15="http://schemas.microsoft.com/office/powerpoint/2012/main" xmlns:p159="http://schemas.microsoft.com/office/powerpoint/2015/09/main" xmlns:p="http://schemas.openxmlformats.org/presentationml/2006/main" type="objTx" preserve="1">
+<p:sldLayout xmlns:a="http://schemas.openxmlformats.org/drawingml/2006/main" xmlns:r="http://schemas.openxmlformats.org/officeDocument/2006/relationships" xmlns:m="http://schemas.openxmlformats.org/officeDocument/2006/math" xmlns:w="http://schemas.openxmlformats.org/wordprocessingml/2006/main" xmlns:wp="http://schemas.openxmlformats.org/drawingml/2006/wordprocessingDrawing" xmlns:a14="http://schemas.microsoft.com/office/drawing/2010/main" xmlns:mc="http://schemas.openxmlformats.org/markup-compatibility/2006" xmlns:p14="http://schemas.microsoft.com/office/powerpoint/2010/main" xmlns:p15="http://schemas.microsoft.com/office/powerpoint/2012/main" xmlns:p159="http://schemas.microsoft.com/office/powerpoint/2015/09/main" xmlns:p="http://schemas.openxmlformats.org/presentationml/2006/main" type="objTx" preserve="1">
   <p:cSld name="Content with Caption">
     <p:spTree>
       <p:nvGrpSpPr>
-        <p:cNvPr id="1" name=""/>
+        <p:cNvPr id="1" name="" title=""/>
         <p:cNvGrpSpPr/>
         <p:nvPr/>
       </p:nvGrpSpPr>
@@ -2255,7 +2255,7 @@
       </p:grpSpPr>
       <p:sp>
         <p:nvSpPr>
-          <p:cNvPr id="2" name="Title 1"/>
+          <p:cNvPr id="2" name="Title 1" title=""/>
           <p:cNvSpPr>
             <a:spLocks noGrp="1"/>
           </p:cNvSpPr>
@@ -2282,7 +2282,7 @@
       </p:sp>
       <p:sp>
         <p:nvSpPr>
-          <p:cNvPr id="3" name="Content Placeholder 2"/>
+          <p:cNvPr id="3" name="Content Placeholder 2" title=""/>
           <p:cNvSpPr>
             <a:spLocks noGrp="1"/>
           </p:cNvSpPr>
@@ -2361,7 +2361,7 @@
       </p:sp>
       <p:sp>
         <p:nvSpPr>
-          <p:cNvPr id="4" name="Text Placeholder 3"/>
+          <p:cNvPr id="4" name="Text Placeholder 3" title=""/>
           <p:cNvSpPr>
             <a:spLocks noGrp="1"/>
           </p:cNvSpPr>
@@ -2420,7 +2420,7 @@
       </p:sp>
       <p:sp>
         <p:nvSpPr>
-          <p:cNvPr id="5" name="Date Placeholder 4"/>
+          <p:cNvPr id="5" name="Date Placeholder 4" title=""/>
           <p:cNvSpPr>
             <a:spLocks noGrp="1"/>
           </p:cNvSpPr>
@@ -2433,7 +2433,7 @@
           <a:bodyPr/>
           <a:lstStyle/>
           <a:p>
-            <a:fld id="{2ACB3458-0DF6-4C2E-B838-FEC5B9EA67D9}" type="datetimeFigureOut">
+            <a:fld id="{6233B971-6891-4F34-B12E-8C417E12B69A}" type="datetimeFigureOut">
               <a:rPr lang="en-US" smtClean="0"/>
               <a:t>11/7/2009</a:t>
             </a:fld>
@@ -2443,7 +2443,7 @@
       </p:sp>
       <p:sp>
         <p:nvSpPr>
-          <p:cNvPr id="6" name="Footer Placeholder 5"/>
+          <p:cNvPr id="6" name="Footer Placeholder 5" title=""/>
           <p:cNvSpPr>
             <a:spLocks noGrp="1"/>
           </p:cNvSpPr>
@@ -2462,7 +2462,7 @@
       </p:sp>
       <p:sp>
         <p:nvSpPr>
-          <p:cNvPr id="7" name="Slide Number Placeholder 6"/>
+          <p:cNvPr id="7" name="Slide Number Placeholder 6" title=""/>
           <p:cNvSpPr>
             <a:spLocks noGrp="1"/>
           </p:cNvSpPr>
@@ -2494,11 +2494,11 @@
 </file>
 
 <file path=ppt/slideLayouts/slideLayout9.xml><?xml version="1.0" encoding="utf-8"?>
-<p:sldLayout xmlns:a="http://schemas.openxmlformats.org/drawingml/2006/main" xmlns:r="http://schemas.openxmlformats.org/officeDocument/2006/relationships" xmlns:p14="http://schemas.microsoft.com/office/powerpoint/2010/main" xmlns:a14="http://schemas.microsoft.com/office/drawing/2010/main" xmlns:p15="http://schemas.microsoft.com/office/powerpoint/2012/main" xmlns:p159="http://schemas.microsoft.com/office/powerpoint/2015/09/main" xmlns:p="http://schemas.openxmlformats.org/presentationml/2006/main" type="picTx" preserve="1">
+<p:sldLayout xmlns:a="http://schemas.openxmlformats.org/drawingml/2006/main" xmlns:r="http://schemas.openxmlformats.org/officeDocument/2006/relationships" xmlns:m="http://schemas.openxmlformats.org/officeDocument/2006/math" xmlns:w="http://schemas.openxmlformats.org/wordprocessingml/2006/main" xmlns:wp="http://schemas.openxmlformats.org/drawingml/2006/wordprocessingDrawing" xmlns:a14="http://schemas.microsoft.com/office/drawing/2010/main" xmlns:mc="http://schemas.openxmlformats.org/markup-compatibility/2006" xmlns:p14="http://schemas.microsoft.com/office/powerpoint/2010/main" xmlns:p15="http://schemas.microsoft.com/office/powerpoint/2012/main" xmlns:p159="http://schemas.microsoft.com/office/powerpoint/2015/09/main" xmlns:p="http://schemas.openxmlformats.org/presentationml/2006/main" type="picTx" preserve="1">
   <p:cSld name="Picture with Caption">
     <p:spTree>
       <p:nvGrpSpPr>
-        <p:cNvPr id="1" name=""/>
+        <p:cNvPr id="1" name="" title=""/>
         <p:cNvGrpSpPr/>
         <p:nvPr/>
       </p:nvGrpSpPr>
@@ -2510,7 +2510,7 @@
       </p:grpSpPr>
       <p:sp>
         <p:nvSpPr>
-          <p:cNvPr id="2" name="Title 1"/>
+          <p:cNvPr id="2" name="Title 1" title=""/>
           <p:cNvSpPr>
             <a:spLocks noGrp="1"/>
           </p:cNvSpPr>
@@ -2537,7 +2537,7 @@
       </p:sp>
       <p:sp>
         <p:nvSpPr>
-          <p:cNvPr id="3" name="Picture Placeholder 2"/>
+          <p:cNvPr id="3" name="Picture Placeholder 2" title=""/>
           <p:cNvSpPr>
             <a:spLocks noGrp="1"/>
           </p:cNvSpPr>
@@ -2593,7 +2593,7 @@
       </p:sp>
       <p:sp>
         <p:nvSpPr>
-          <p:cNvPr id="4" name="Text Placeholder 3"/>
+          <p:cNvPr id="4" name="Text Placeholder 3" title=""/>
           <p:cNvSpPr>
             <a:spLocks noGrp="1"/>
           </p:cNvSpPr>
@@ -2652,7 +2652,7 @@
       </p:sp>
       <p:sp>
         <p:nvSpPr>
-          <p:cNvPr id="5" name="Date Placeholder 4"/>
+          <p:cNvPr id="5" name="Date Placeholder 4" title=""/>
           <p:cNvSpPr>
             <a:spLocks noGrp="1"/>
           </p:cNvSpPr>
@@ -2665,7 +2665,7 @@
           <a:bodyPr/>
           <a:lstStyle/>
           <a:p>
-            <a:fld id="{2D5653EB-EFE1-4033-8C9C-697918840412}" type="datetimeFigureOut">
+            <a:fld id="{6ECA8754-BBFD-4EE1-9BB2-1EF1F2EFE84F}" type="datetimeFigureOut">
               <a:rPr lang="en-US" smtClean="0"/>
               <a:t>11/7/2009</a:t>
             </a:fld>
@@ -2675,7 +2675,7 @@
       </p:sp>
       <p:sp>
         <p:nvSpPr>
-          <p:cNvPr id="6" name="Footer Placeholder 5"/>
+          <p:cNvPr id="6" name="Footer Placeholder 5" title=""/>
           <p:cNvSpPr>
             <a:spLocks noGrp="1"/>
           </p:cNvSpPr>
@@ -2694,7 +2694,7 @@
       </p:sp>
       <p:sp>
         <p:nvSpPr>
-          <p:cNvPr id="7" name="Slide Number Placeholder 6"/>
+          <p:cNvPr id="7" name="Slide Number Placeholder 6" title=""/>
           <p:cNvSpPr>
             <a:spLocks noGrp="1"/>
           </p:cNvSpPr>
@@ -2726,7 +2726,7 @@
 </file>
 
 <file path=ppt/slideMasters/slideMaster1.xml><?xml version="1.0" encoding="utf-8"?>
-<p:sldMaster xmlns:a="http://schemas.openxmlformats.org/drawingml/2006/main" xmlns:r="http://schemas.openxmlformats.org/officeDocument/2006/relationships" xmlns:p14="http://schemas.microsoft.com/office/powerpoint/2010/main" xmlns:a14="http://schemas.microsoft.com/office/drawing/2010/main" xmlns:p15="http://schemas.microsoft.com/office/powerpoint/2012/main" xmlns:p159="http://schemas.microsoft.com/office/powerpoint/2015/09/main" xmlns:p="http://schemas.openxmlformats.org/presentationml/2006/main">
+<p:sldMaster xmlns:a="http://schemas.openxmlformats.org/drawingml/2006/main" xmlns:r="http://schemas.openxmlformats.org/officeDocument/2006/relationships" xmlns:m="http://schemas.openxmlformats.org/officeDocument/2006/math" xmlns:w="http://schemas.openxmlformats.org/wordprocessingml/2006/main" xmlns:wp="http://schemas.openxmlformats.org/drawingml/2006/wordprocessingDrawing" xmlns:a14="http://schemas.microsoft.com/office/drawing/2010/main" xmlns:mc="http://schemas.openxmlformats.org/markup-compatibility/2006" xmlns:p14="http://schemas.microsoft.com/office/powerpoint/2010/main" xmlns:p15="http://schemas.microsoft.com/office/powerpoint/2012/main" xmlns:p159="http://schemas.microsoft.com/office/powerpoint/2015/09/main" xmlns:p="http://schemas.openxmlformats.org/presentationml/2006/main">
   <p:cSld>
     <p:bg>
       <p:bgRef idx="1001">
@@ -2735,7 +2735,7 @@
     </p:bg>
     <p:spTree>
       <p:nvGrpSpPr>
-        <p:cNvPr id="1" name=""/>
+        <p:cNvPr id="1" name="" title=""/>
         <p:cNvGrpSpPr/>
         <p:nvPr/>
       </p:nvGrpSpPr>
@@ -2747,7 +2747,7 @@
       </p:grpSpPr>
       <p:sp>
         <p:nvSpPr>
-          <p:cNvPr id="2" name="Title Placeholder 1"/>
+          <p:cNvPr id="2" name="Title Placeholder 1" title=""/>
           <p:cNvSpPr>
             <a:spLocks noGrp="1"/>
           </p:cNvSpPr>
@@ -2780,7 +2780,7 @@
       </p:sp>
       <p:sp>
         <p:nvSpPr>
-          <p:cNvPr id="3" name="Text Placeholder 2"/>
+          <p:cNvPr id="3" name="Text Placeholder 2" title=""/>
           <p:cNvSpPr>
             <a:spLocks noGrp="1"/>
           </p:cNvSpPr>
@@ -2841,7 +2841,7 @@
       </p:sp>
       <p:sp>
         <p:nvSpPr>
-          <p:cNvPr id="4" name="Date Placeholder 3"/>
+          <p:cNvPr id="4" name="Date Placeholder 3" title=""/>
           <p:cNvSpPr>
             <a:spLocks noGrp="1"/>
           </p:cNvSpPr>
@@ -2882,7 +2882,7 @@
       </p:sp>
       <p:sp>
         <p:nvSpPr>
-          <p:cNvPr id="5" name="Footer Placeholder 4"/>
+          <p:cNvPr id="5" name="Footer Placeholder 4" title=""/>
           <p:cNvSpPr>
             <a:spLocks noGrp="1"/>
           </p:cNvSpPr>
@@ -2919,7 +2919,7 @@
       </p:sp>
       <p:sp>
         <p:nvSpPr>
-          <p:cNvPr id="6" name="Slide Number Placeholder 5"/>
+          <p:cNvPr id="6" name="Slide Number Placeholder 5" title=""/>
           <p:cNvSpPr>
             <a:spLocks noGrp="1"/>
           </p:cNvSpPr>
@@ -3230,11 +3230,11 @@
 </file>
 
 <file path=ppt/slides/slide1.xml><?xml version="1.0" encoding="utf-8"?>
-<p:sld xmlns:a="http://schemas.openxmlformats.org/drawingml/2006/main" xmlns:r="http://schemas.openxmlformats.org/officeDocument/2006/relationships" xmlns:p14="http://schemas.microsoft.com/office/powerpoint/2010/main" xmlns:a14="http://schemas.microsoft.com/office/drawing/2010/main" xmlns:p15="http://schemas.microsoft.com/office/powerpoint/2012/main" xmlns:p159="http://schemas.microsoft.com/office/powerpoint/2015/09/main" xmlns:p="http://schemas.openxmlformats.org/presentationml/2006/main">
+<p:sld xmlns:a="http://schemas.openxmlformats.org/drawingml/2006/main" xmlns:r="http://schemas.openxmlformats.org/officeDocument/2006/relationships" xmlns:m="http://schemas.openxmlformats.org/officeDocument/2006/math" xmlns:w="http://schemas.openxmlformats.org/wordprocessingml/2006/main" xmlns:wp="http://schemas.openxmlformats.org/drawingml/2006/wordprocessingDrawing" xmlns:a14="http://schemas.microsoft.com/office/drawing/2010/main" xmlns:mc="http://schemas.openxmlformats.org/markup-compatibility/2006" xmlns:p14="http://schemas.microsoft.com/office/powerpoint/2010/main" xmlns:p15="http://schemas.microsoft.com/office/powerpoint/2012/main" xmlns:p159="http://schemas.microsoft.com/office/powerpoint/2015/09/main" xmlns:p="http://schemas.openxmlformats.org/presentationml/2006/main">
   <p:cSld name="">
     <p:spTree>
       <p:nvGrpSpPr>
-        <p:cNvPr id="1" name=""/>
+        <p:cNvPr id="1" name="" title=""/>
         <p:cNvGrpSpPr/>
         <p:nvPr/>
       </p:nvGrpSpPr>
@@ -3246,7 +3246,7 @@
       </p:grpSpPr>
       <p:graphicFrame>
         <p:nvGraphicFramePr>
-          <p:cNvPr id="2" name="ChartObject"/>
+          <p:cNvPr id="2" name="ChartObject" title=""/>
           <p:cNvGraphicFramePr/>
           <p:nvPr/>
         </p:nvGraphicFramePr>
@@ -3260,6 +3260,77 @@
           </a:graphicData>
         </a:graphic>
       </p:graphicFrame>
+      <p:sp>
+        <p:nvSpPr>
+          <p:cNvPr id="3" name="TextBox"/>
+          <p:cNvSpPr txBox="1">
+            <a:spLocks noGrp="1" noSelect="1" noRot="1" noMove="1"/>
+          </p:cNvSpPr>
+          <p:nvPr/>
+        </p:nvSpPr>
+        <p:spPr>
+          <a:xfrm>
+            <a:off x="1366520" y="2644140"/>
+            <a:ext cx="6411372" cy="1569660"/>
+          </a:xfrm>
+          <a:prstGeom prst="rect">
+            <a:avLst/>
+          </a:prstGeom>
+          <a:noFill/>
+        </p:spPr>
+        <p:txBody>
+          <a:bodyPr wrap="none" rtlCol="0" anchor="ctr" anchorCtr="1">
+            <a:spAutoFit/>
+          </a:bodyPr>
+          <a:lstStyle>
+            <a:lvl1pPr algn="l">
+              <a:lnSpc>
+                <a:spcPct val="150000"/>
+              </a:lnSpc>
+              <a:spcBef>
+                <a:spcPct val="0"/>
+              </a:spcBef>
+              <a:spcAft>
+                <a:spcPct val="0"/>
+              </a:spcAft>
+              <a:defRPr lang="en-US" sz="3200" b="1" noProof="1" dirty="0">
+                <a:solidFill>
+                  <a:prstClr val="red">
+                    <a:lumOff val="30000"/>
+                    <a:alpha val="40000"/>
+                  </a:prstClr>
+                </a:solidFill>
+                <a:effectLst>
+                  <a:outerShdw blurRad="50800" dist="38100" algn="tr" rotWithShape="0">
+                    <a:prstClr val="black">
+                      <a:alpha val="80000"/>
+                    </a:prstClr>
+                  </a:outerShdw>
+                </a:effectLst>
+                <a:latin typeface="Calibri" pitchFamily="34" charset="0"/>
+              </a:defRPr>
+            </a:lvl1pPr>
+          </a:lstStyle>
+          <a:p>
+            <a:pPr algn="ctr"/>
+            <a:r>
+              <a:t>Evaluation only.</a:t>
+            </a:r>
+          </a:p>
+          <a:p>
+            <a:pPr algn="ctr"/>
+            <a:r>
+              <a:t>Created with Aspose.Slides for .NET 4.0 Client Profile 21.12.</a:t>
+            </a:r>
+          </a:p>
+          <a:p>
+            <a:pPr algn="ctr"/>
+            <a:r>
+              <a:t>Copyright 2004-2021Aspose Pty Ltd.</a:t>
+            </a:r>
+          </a:p>
+        </p:txBody>
+      </p:sp>
     </p:spTree>
   </p:cSld>
   <p:clrMapOvr>
@@ -3273,10 +3344,10 @@
 <file path=ppt/tags/tag1.xml><?xml version="1.0" encoding="utf-8"?>
 <p:tagLst xmlns:p="http://schemas.openxmlformats.org/presentationml/2006/main">
   <p:tag name="AS_NET" val="4.0.30319.42000"/>
-  <p:tag name="AS_OS" val="Microsoft Windows NT 6.2.9200.0"/>
-  <p:tag name="AS_RELEASE_DATE" val="2019.06.14"/>
+  <p:tag name="AS_OS" val="Microsoft Windows NT 6.3.9600.0"/>
+  <p:tag name="AS_RELEASE_DATE" val="2021.12.14"/>
   <p:tag name="AS_TITLE" val="Aspose.Slides for .NET 4.0 Client Profile"/>
-  <p:tag name="AS_VERSION" val="19.6"/>
+  <p:tag name="AS_VERSION" val="21.12"/>
 </p:tagLst>
 </file>
 
